--- a/Final_Project/Final Project Presentation.pptx
+++ b/Final_Project/Final Project Presentation.pptx
@@ -356,7 +356,7 @@
             <a:fld id="{5586B75A-687E-405C-8A0B-8D00578BA2C3}" type="datetimeFigureOut">
               <a:rPr lang="en-US" dirty="0"/>
               <a:pPr/>
-              <a:t>12/7/19</a:t>
+              <a:t>12/8/19</a:t>
             </a:fld>
             <a:endParaRPr lang="en-US" dirty="0"/>
           </a:p>
@@ -523,7 +523,7 @@
             <a:fld id="{5586B75A-687E-405C-8A0B-8D00578BA2C3}" type="datetimeFigureOut">
               <a:rPr lang="en-US" dirty="0"/>
               <a:pPr/>
-              <a:t>12/7/19</a:t>
+              <a:t>12/8/19</a:t>
             </a:fld>
             <a:endParaRPr lang="en-US" dirty="0"/>
           </a:p>
@@ -700,7 +700,7 @@
             <a:fld id="{5586B75A-687E-405C-8A0B-8D00578BA2C3}" type="datetimeFigureOut">
               <a:rPr lang="en-US" dirty="0"/>
               <a:pPr/>
-              <a:t>12/7/19</a:t>
+              <a:t>12/8/19</a:t>
             </a:fld>
             <a:endParaRPr lang="en-US" dirty="0"/>
           </a:p>
@@ -867,7 +867,7 @@
             <a:fld id="{5586B75A-687E-405C-8A0B-8D00578BA2C3}" type="datetimeFigureOut">
               <a:rPr lang="en-US" dirty="0"/>
               <a:pPr/>
-              <a:t>12/7/19</a:t>
+              <a:t>12/8/19</a:t>
             </a:fld>
             <a:endParaRPr lang="en-US" dirty="0"/>
           </a:p>
@@ -1122,7 +1122,7 @@
             <a:fld id="{5586B75A-687E-405C-8A0B-8D00578BA2C3}" type="datetimeFigureOut">
               <a:rPr lang="en-US" dirty="0"/>
               <a:pPr/>
-              <a:t>12/7/19</a:t>
+              <a:t>12/8/19</a:t>
             </a:fld>
             <a:endParaRPr lang="en-US" dirty="0"/>
           </a:p>
@@ -1407,7 +1407,7 @@
             <a:fld id="{5586B75A-687E-405C-8A0B-8D00578BA2C3}" type="datetimeFigureOut">
               <a:rPr lang="en-US" dirty="0"/>
               <a:pPr/>
-              <a:t>12/7/19</a:t>
+              <a:t>12/8/19</a:t>
             </a:fld>
             <a:endParaRPr lang="en-US" dirty="0"/>
           </a:p>
@@ -1846,7 +1846,7 @@
             <a:fld id="{5586B75A-687E-405C-8A0B-8D00578BA2C3}" type="datetimeFigureOut">
               <a:rPr lang="en-US" dirty="0"/>
               <a:pPr/>
-              <a:t>12/7/19</a:t>
+              <a:t>12/8/19</a:t>
             </a:fld>
             <a:endParaRPr lang="en-US" dirty="0"/>
           </a:p>
@@ -1961,7 +1961,7 @@
             <a:fld id="{5586B75A-687E-405C-8A0B-8D00578BA2C3}" type="datetimeFigureOut">
               <a:rPr lang="en-US" dirty="0"/>
               <a:pPr/>
-              <a:t>12/7/19</a:t>
+              <a:t>12/8/19</a:t>
             </a:fld>
             <a:endParaRPr lang="en-US" dirty="0"/>
           </a:p>
@@ -2053,7 +2053,7 @@
             <a:fld id="{5586B75A-687E-405C-8A0B-8D00578BA2C3}" type="datetimeFigureOut">
               <a:rPr lang="en-US" dirty="0"/>
               <a:pPr/>
-              <a:t>12/7/19</a:t>
+              <a:t>12/8/19</a:t>
             </a:fld>
             <a:endParaRPr lang="en-US" dirty="0"/>
           </a:p>
@@ -2338,7 +2338,7 @@
             <a:fld id="{5586B75A-687E-405C-8A0B-8D00578BA2C3}" type="datetimeFigureOut">
               <a:rPr lang="en-US" dirty="0"/>
               <a:pPr/>
-              <a:t>12/7/19</a:t>
+              <a:t>12/8/19</a:t>
             </a:fld>
             <a:endParaRPr lang="en-US" dirty="0"/>
           </a:p>
@@ -2608,7 +2608,7 @@
             <a:fld id="{5586B75A-687E-405C-8A0B-8D00578BA2C3}" type="datetimeFigureOut">
               <a:rPr lang="en-US" dirty="0"/>
               <a:pPr/>
-              <a:t>12/7/19</a:t>
+              <a:t>12/8/19</a:t>
             </a:fld>
             <a:endParaRPr lang="en-US" dirty="0"/>
           </a:p>
@@ -2902,7 +2902,7 @@
             <a:fld id="{5586B75A-687E-405C-8A0B-8D00578BA2C3}" type="datetimeFigureOut">
               <a:rPr lang="en-US" dirty="0"/>
               <a:pPr/>
-              <a:t>12/7/19</a:t>
+              <a:t>12/8/19</a:t>
             </a:fld>
             <a:endParaRPr lang="en-US" dirty="0"/>
           </a:p>
@@ -3488,7 +3488,7 @@
         </p:blipFill>
         <p:spPr>
           <a:xfrm>
-            <a:off x="325119" y="0"/>
+            <a:off x="311265" y="0"/>
             <a:ext cx="11541511" cy="6858000"/>
           </a:xfrm>
           <a:prstGeom prst="rect">
@@ -3760,7 +3760,7 @@
           <a:p>
             <a:r>
               <a:rPr lang="en-US" dirty="0"/>
-              <a:t>Once a year is clicked on from the previous dashboard, the user is taken to this dashboard</a:t>
+              <a:t>Once a year is selected from the previous dashboard, the user is taken to this dashboard</a:t>
             </a:r>
           </a:p>
           <a:p>
@@ -4493,7 +4493,7 @@
           <a:p>
             <a:r>
               <a:rPr lang="en-US" dirty="0"/>
-              <a:t>The data is taken from IMDb’s datasets which can be downloaded from the following link: </a:t>
+              <a:t>Data downloaded from IMDb’s datasets from the following link: </a:t>
             </a:r>
             <a:r>
               <a:rPr lang="en-US" dirty="0">
@@ -4506,7 +4506,7 @@
           <a:p>
             <a:r>
               <a:rPr lang="en-US" dirty="0"/>
-              <a:t>The data consists of seven TSV files: Title Basics, Name Basics, Akas, Ratings, Principles, Crew, and Episode. Information about the tables and attributes are available through the following link: </a:t>
+              <a:t>Data consists of seven TSV files: Title Basics, Name Basics, Akas, Ratings, Principles, Crew, and Episode. Information about the tables and attributes are available through the following link: </a:t>
             </a:r>
             <a:r>
               <a:rPr lang="en-US" dirty="0">
